--- a/support présentation.pptx
+++ b/support présentation.pptx
@@ -206,7 +206,7 @@
           <a:p>
             <a:fld id="{655B3432-D9B8-4557-8D66-BCE0A3BB916C}" type="datetimeFigureOut">
               <a:rPr lang="fr-FR" smtClean="0"/>
-              <a:t>15/04/2020</a:t>
+              <a:t>16/04/2020</a:t>
             </a:fld>
             <a:endParaRPr lang="fr-FR"/>
           </a:p>
@@ -620,7 +620,7 @@
           <a:p>
             <a:fld id="{A86102F0-2D90-4940-B364-2729C8E13FFC}" type="datetimeFigureOut">
               <a:rPr lang="fr-FR" smtClean="0"/>
-              <a:t>15/04/2020</a:t>
+              <a:t>16/04/2020</a:t>
             </a:fld>
             <a:endParaRPr lang="fr-FR"/>
           </a:p>
@@ -818,7 +818,7 @@
           <a:p>
             <a:fld id="{A86102F0-2D90-4940-B364-2729C8E13FFC}" type="datetimeFigureOut">
               <a:rPr lang="fr-FR" smtClean="0"/>
-              <a:t>15/04/2020</a:t>
+              <a:t>16/04/2020</a:t>
             </a:fld>
             <a:endParaRPr lang="fr-FR"/>
           </a:p>
@@ -1026,7 +1026,7 @@
           <a:p>
             <a:fld id="{A86102F0-2D90-4940-B364-2729C8E13FFC}" type="datetimeFigureOut">
               <a:rPr lang="fr-FR" smtClean="0"/>
-              <a:t>15/04/2020</a:t>
+              <a:t>16/04/2020</a:t>
             </a:fld>
             <a:endParaRPr lang="fr-FR"/>
           </a:p>
@@ -1259,7 +1259,7 @@
           <a:p>
             <a:fld id="{A86102F0-2D90-4940-B364-2729C8E13FFC}" type="datetimeFigureOut">
               <a:rPr lang="fr-FR" smtClean="0"/>
-              <a:t>15/04/2020</a:t>
+              <a:t>16/04/2020</a:t>
             </a:fld>
             <a:endParaRPr lang="fr-FR"/>
           </a:p>
@@ -1673,7 +1673,7 @@
           <a:p>
             <a:fld id="{A86102F0-2D90-4940-B364-2729C8E13FFC}" type="datetimeFigureOut">
               <a:rPr lang="fr-FR" smtClean="0"/>
-              <a:t>15/04/2020</a:t>
+              <a:t>16/04/2020</a:t>
             </a:fld>
             <a:endParaRPr lang="fr-FR"/>
           </a:p>
@@ -1938,7 +1938,7 @@
           <a:p>
             <a:fld id="{A86102F0-2D90-4940-B364-2729C8E13FFC}" type="datetimeFigureOut">
               <a:rPr lang="fr-FR" smtClean="0"/>
-              <a:t>15/04/2020</a:t>
+              <a:t>16/04/2020</a:t>
             </a:fld>
             <a:endParaRPr lang="fr-FR"/>
           </a:p>
@@ -2350,7 +2350,7 @@
           <a:p>
             <a:fld id="{A86102F0-2D90-4940-B364-2729C8E13FFC}" type="datetimeFigureOut">
               <a:rPr lang="fr-FR" smtClean="0"/>
-              <a:t>15/04/2020</a:t>
+              <a:t>16/04/2020</a:t>
             </a:fld>
             <a:endParaRPr lang="fr-FR"/>
           </a:p>
@@ -2491,7 +2491,7 @@
           <a:p>
             <a:fld id="{A86102F0-2D90-4940-B364-2729C8E13FFC}" type="datetimeFigureOut">
               <a:rPr lang="fr-FR" smtClean="0"/>
-              <a:t>15/04/2020</a:t>
+              <a:t>16/04/2020</a:t>
             </a:fld>
             <a:endParaRPr lang="fr-FR"/>
           </a:p>
@@ -2604,7 +2604,7 @@
           <a:p>
             <a:fld id="{A86102F0-2D90-4940-B364-2729C8E13FFC}" type="datetimeFigureOut">
               <a:rPr lang="fr-FR" smtClean="0"/>
-              <a:t>15/04/2020</a:t>
+              <a:t>16/04/2020</a:t>
             </a:fld>
             <a:endParaRPr lang="fr-FR"/>
           </a:p>
@@ -2915,7 +2915,7 @@
           <a:p>
             <a:fld id="{A86102F0-2D90-4940-B364-2729C8E13FFC}" type="datetimeFigureOut">
               <a:rPr lang="fr-FR" smtClean="0"/>
-              <a:t>15/04/2020</a:t>
+              <a:t>16/04/2020</a:t>
             </a:fld>
             <a:endParaRPr lang="fr-FR"/>
           </a:p>
@@ -3203,7 +3203,7 @@
           <a:p>
             <a:fld id="{A86102F0-2D90-4940-B364-2729C8E13FFC}" type="datetimeFigureOut">
               <a:rPr lang="fr-FR" smtClean="0"/>
-              <a:t>15/04/2020</a:t>
+              <a:t>16/04/2020</a:t>
             </a:fld>
             <a:endParaRPr lang="fr-FR"/>
           </a:p>
@@ -3444,7 +3444,7 @@
           <a:p>
             <a:fld id="{A86102F0-2D90-4940-B364-2729C8E13FFC}" type="datetimeFigureOut">
               <a:rPr lang="fr-FR" smtClean="0"/>
-              <a:t>15/04/2020</a:t>
+              <a:t>16/04/2020</a:t>
             </a:fld>
             <a:endParaRPr lang="fr-FR"/>
           </a:p>
@@ -4110,7 +4110,10 @@
           <a:bodyPr/>
           <a:lstStyle/>
           <a:p>
-            <a:endParaRPr lang="fr-FR" dirty="0"/>
+            <a:r>
+              <a:rPr lang="fr-FR" dirty="0"/>
+              <a:t>Le cahier des charges</a:t>
+            </a:r>
           </a:p>
         </p:txBody>
       </p:sp>
@@ -4132,10 +4135,33 @@
         </p:nvSpPr>
         <p:spPr/>
         <p:txBody>
-          <a:bodyPr/>
-          <a:lstStyle/>
-          <a:p>
-            <a:endParaRPr lang="fr-FR" dirty="0"/>
+          <a:bodyPr>
+            <a:normAutofit/>
+          </a:bodyPr>
+          <a:lstStyle/>
+          <a:p>
+            <a:r>
+              <a:rPr lang="fr-FR" dirty="0"/>
+              <a:t>Le développement devra se faire en CSS. </a:t>
+            </a:r>
+          </a:p>
+          <a:p>
+            <a:r>
+              <a:rPr lang="fr-FR" dirty="0"/>
+              <a:t>Le code CSS passe la validation w3c CSS. </a:t>
+            </a:r>
+          </a:p>
+          <a:p>
+            <a:r>
+              <a:rPr lang="fr-FR" dirty="0"/>
+              <a:t>Des règles CSS @media et/ou des feuilles de styles dédiées identifiées par un attribut media doivent être utilisées. 4 </a:t>
+            </a:r>
+          </a:p>
+          <a:p>
+            <a:r>
+              <a:rPr lang="fr-FR" dirty="0"/>
+              <a:t>Aucun code CSS ne devra être appliqué via un attribut style dans une balise HTML. </a:t>
+            </a:r>
           </a:p>
         </p:txBody>
       </p:sp>
@@ -4190,7 +4216,10 @@
           <a:bodyPr/>
           <a:lstStyle/>
           <a:p>
-            <a:endParaRPr lang="fr-FR"/>
+            <a:r>
+              <a:rPr lang="fr-FR" dirty="0"/>
+              <a:t>Le cahier des charges</a:t>
+            </a:r>
           </a:p>
         </p:txBody>
       </p:sp>
@@ -4215,7 +4244,34 @@
           <a:bodyPr/>
           <a:lstStyle/>
           <a:p>
-            <a:endParaRPr lang="fr-FR"/>
+            <a:r>
+              <a:rPr lang="fr-FR" dirty="0"/>
+              <a:t>L’ensemble du site devra être responsive. </a:t>
+            </a:r>
+          </a:p>
+          <a:p>
+            <a:r>
+              <a:rPr lang="fr-FR" dirty="0"/>
+              <a:t>Le page HTML devra passer la validation w3c sans erreur. </a:t>
+            </a:r>
+          </a:p>
+          <a:p>
+            <a:r>
+              <a:rPr lang="fr-FR" dirty="0"/>
+              <a:t>Aucun Framework ne devra être utilisé. </a:t>
+            </a:r>
+          </a:p>
+          <a:p>
+            <a:r>
+              <a:rPr lang="fr-FR" dirty="0"/>
+              <a:t>Le site doit être parfaitement compatible avec les dernières versions desktop de Chrome, Firefox et Safari. </a:t>
+            </a:r>
+          </a:p>
+          <a:p>
+            <a:endParaRPr lang="fr-FR" dirty="0"/>
+          </a:p>
+          <a:p>
+            <a:endParaRPr lang="fr-FR" dirty="0"/>
           </a:p>
         </p:txBody>
       </p:sp>
@@ -4270,35 +4326,45 @@
           <a:bodyPr/>
           <a:lstStyle/>
           <a:p>
-            <a:endParaRPr lang="fr-FR"/>
-          </a:p>
-        </p:txBody>
-      </p:sp>
-      <p:sp>
-        <p:nvSpPr>
-          <p:cNvPr id="3" name="Espace réservé du contenu 2">
-            <a:extLst>
-              <a:ext uri="{FF2B5EF4-FFF2-40B4-BE49-F238E27FC236}">
-                <a16:creationId xmlns:a16="http://schemas.microsoft.com/office/drawing/2014/main" id="{003AC6E3-C3C2-4A97-9278-36F131BB341C}"/>
-              </a:ext>
-            </a:extLst>
-          </p:cNvPr>
-          <p:cNvSpPr>
-            <a:spLocks noGrp="1"/>
-          </p:cNvSpPr>
+            <a:r>
+              <a:rPr lang="fr-FR" dirty="0"/>
+              <a:t>Page d’accueil</a:t>
+            </a:r>
+          </a:p>
+        </p:txBody>
+      </p:sp>
+      <p:pic>
+        <p:nvPicPr>
+          <p:cNvPr id="4" name="Espace réservé du contenu 3">
+            <a:extLst>
+              <a:ext uri="{FF2B5EF4-FFF2-40B4-BE49-F238E27FC236}">
+                <a16:creationId xmlns:a16="http://schemas.microsoft.com/office/drawing/2014/main" id="{E064AD60-883E-457C-9837-199CFB955F12}"/>
+              </a:ext>
+            </a:extLst>
+          </p:cNvPr>
+          <p:cNvPicPr>
+            <a:picLocks noGrp="1" noChangeAspect="1"/>
+          </p:cNvPicPr>
           <p:nvPr>
             <p:ph idx="1"/>
           </p:nvPr>
-        </p:nvSpPr>
-        <p:spPr/>
-        <p:txBody>
-          <a:bodyPr/>
-          <a:lstStyle/>
-          <a:p>
-            <a:endParaRPr lang="fr-FR"/>
-          </a:p>
-        </p:txBody>
-      </p:sp>
+        </p:nvPicPr>
+        <p:blipFill>
+          <a:blip r:embed="rId2"/>
+          <a:stretch>
+            <a:fillRect/>
+          </a:stretch>
+        </p:blipFill>
+        <p:spPr>
+          <a:xfrm>
+            <a:off x="402311" y="2064469"/>
+            <a:ext cx="7801278" cy="3839115"/>
+          </a:xfrm>
+          <a:prstGeom prst="rect">
+            <a:avLst/>
+          </a:prstGeom>
+        </p:spPr>
+      </p:pic>
     </p:spTree>
     <p:extLst>
       <p:ext uri="{BB962C8B-B14F-4D97-AF65-F5344CB8AC3E}">
@@ -4350,7 +4416,10 @@
           <a:bodyPr/>
           <a:lstStyle/>
           <a:p>
-            <a:endParaRPr lang="fr-FR"/>
+            <a:r>
+              <a:rPr lang="fr-FR" dirty="0"/>
+              <a:t>Pages menus</a:t>
+            </a:r>
           </a:p>
         </p:txBody>
       </p:sp>
@@ -4430,7 +4499,10 @@
           <a:bodyPr/>
           <a:lstStyle/>
           <a:p>
-            <a:endParaRPr lang="fr-FR"/>
+            <a:r>
+              <a:rPr lang="fr-FR" dirty="0"/>
+              <a:t>Pages menus</a:t>
+            </a:r>
           </a:p>
         </p:txBody>
       </p:sp>
@@ -4510,7 +4582,10 @@
           <a:bodyPr/>
           <a:lstStyle/>
           <a:p>
-            <a:endParaRPr lang="fr-FR"/>
+            <a:r>
+              <a:rPr lang="fr-FR" dirty="0"/>
+              <a:t>Pages menus</a:t>
+            </a:r>
           </a:p>
         </p:txBody>
       </p:sp>
@@ -4590,7 +4665,10 @@
           <a:bodyPr/>
           <a:lstStyle/>
           <a:p>
-            <a:endParaRPr lang="fr-FR"/>
+            <a:r>
+              <a:rPr lang="fr-FR" dirty="0"/>
+              <a:t>Pages menus</a:t>
+            </a:r>
           </a:p>
         </p:txBody>
       </p:sp>
@@ -4670,7 +4748,7 @@
           <a:bodyPr/>
           <a:lstStyle/>
           <a:p>
-            <a:endParaRPr lang="fr-FR"/>
+            <a:endParaRPr lang="fr-FR" dirty="0"/>
           </a:p>
         </p:txBody>
       </p:sp>

--- a/support présentation.pptx
+++ b/support présentation.pptx
@@ -206,7 +206,7 @@
           <a:p>
             <a:fld id="{655B3432-D9B8-4557-8D66-BCE0A3BB916C}" type="datetimeFigureOut">
               <a:rPr lang="fr-FR" smtClean="0"/>
-              <a:t>16/04/2020</a:t>
+              <a:t>17/04/2020</a:t>
             </a:fld>
             <a:endParaRPr lang="fr-FR"/>
           </a:p>
@@ -620,7 +620,7 @@
           <a:p>
             <a:fld id="{A86102F0-2D90-4940-B364-2729C8E13FFC}" type="datetimeFigureOut">
               <a:rPr lang="fr-FR" smtClean="0"/>
-              <a:t>16/04/2020</a:t>
+              <a:t>17/04/2020</a:t>
             </a:fld>
             <a:endParaRPr lang="fr-FR"/>
           </a:p>
@@ -818,7 +818,7 @@
           <a:p>
             <a:fld id="{A86102F0-2D90-4940-B364-2729C8E13FFC}" type="datetimeFigureOut">
               <a:rPr lang="fr-FR" smtClean="0"/>
-              <a:t>16/04/2020</a:t>
+              <a:t>17/04/2020</a:t>
             </a:fld>
             <a:endParaRPr lang="fr-FR"/>
           </a:p>
@@ -1026,7 +1026,7 @@
           <a:p>
             <a:fld id="{A86102F0-2D90-4940-B364-2729C8E13FFC}" type="datetimeFigureOut">
               <a:rPr lang="fr-FR" smtClean="0"/>
-              <a:t>16/04/2020</a:t>
+              <a:t>17/04/2020</a:t>
             </a:fld>
             <a:endParaRPr lang="fr-FR"/>
           </a:p>
@@ -1259,7 +1259,7 @@
           <a:p>
             <a:fld id="{A86102F0-2D90-4940-B364-2729C8E13FFC}" type="datetimeFigureOut">
               <a:rPr lang="fr-FR" smtClean="0"/>
-              <a:t>16/04/2020</a:t>
+              <a:t>17/04/2020</a:t>
             </a:fld>
             <a:endParaRPr lang="fr-FR"/>
           </a:p>
@@ -1673,7 +1673,7 @@
           <a:p>
             <a:fld id="{A86102F0-2D90-4940-B364-2729C8E13FFC}" type="datetimeFigureOut">
               <a:rPr lang="fr-FR" smtClean="0"/>
-              <a:t>16/04/2020</a:t>
+              <a:t>17/04/2020</a:t>
             </a:fld>
             <a:endParaRPr lang="fr-FR"/>
           </a:p>
@@ -1938,7 +1938,7 @@
           <a:p>
             <a:fld id="{A86102F0-2D90-4940-B364-2729C8E13FFC}" type="datetimeFigureOut">
               <a:rPr lang="fr-FR" smtClean="0"/>
-              <a:t>16/04/2020</a:t>
+              <a:t>17/04/2020</a:t>
             </a:fld>
             <a:endParaRPr lang="fr-FR"/>
           </a:p>
@@ -2350,7 +2350,7 @@
           <a:p>
             <a:fld id="{A86102F0-2D90-4940-B364-2729C8E13FFC}" type="datetimeFigureOut">
               <a:rPr lang="fr-FR" smtClean="0"/>
-              <a:t>16/04/2020</a:t>
+              <a:t>17/04/2020</a:t>
             </a:fld>
             <a:endParaRPr lang="fr-FR"/>
           </a:p>
@@ -2491,7 +2491,7 @@
           <a:p>
             <a:fld id="{A86102F0-2D90-4940-B364-2729C8E13FFC}" type="datetimeFigureOut">
               <a:rPr lang="fr-FR" smtClean="0"/>
-              <a:t>16/04/2020</a:t>
+              <a:t>17/04/2020</a:t>
             </a:fld>
             <a:endParaRPr lang="fr-FR"/>
           </a:p>
@@ -2604,7 +2604,7 @@
           <a:p>
             <a:fld id="{A86102F0-2D90-4940-B364-2729C8E13FFC}" type="datetimeFigureOut">
               <a:rPr lang="fr-FR" smtClean="0"/>
-              <a:t>16/04/2020</a:t>
+              <a:t>17/04/2020</a:t>
             </a:fld>
             <a:endParaRPr lang="fr-FR"/>
           </a:p>
@@ -2915,7 +2915,7 @@
           <a:p>
             <a:fld id="{A86102F0-2D90-4940-B364-2729C8E13FFC}" type="datetimeFigureOut">
               <a:rPr lang="fr-FR" smtClean="0"/>
-              <a:t>16/04/2020</a:t>
+              <a:t>17/04/2020</a:t>
             </a:fld>
             <a:endParaRPr lang="fr-FR"/>
           </a:p>
@@ -3203,7 +3203,7 @@
           <a:p>
             <a:fld id="{A86102F0-2D90-4940-B364-2729C8E13FFC}" type="datetimeFigureOut">
               <a:rPr lang="fr-FR" smtClean="0"/>
-              <a:t>16/04/2020</a:t>
+              <a:t>17/04/2020</a:t>
             </a:fld>
             <a:endParaRPr lang="fr-FR"/>
           </a:p>
@@ -3444,7 +3444,7 @@
           <a:p>
             <a:fld id="{A86102F0-2D90-4940-B364-2729C8E13FFC}" type="datetimeFigureOut">
               <a:rPr lang="fr-FR" smtClean="0"/>
-              <a:t>16/04/2020</a:t>
+              <a:t>17/04/2020</a:t>
             </a:fld>
             <a:endParaRPr lang="fr-FR"/>
           </a:p>
@@ -4154,7 +4154,7 @@
           <a:p>
             <a:r>
               <a:rPr lang="fr-FR" dirty="0"/>
-              <a:t>Des règles CSS @media et/ou des feuilles de styles dédiées identifiées par un attribut media doivent être utilisées. 4 </a:t>
+              <a:t>Des règles CSS @media et/ou des feuilles de styles dédiées identifiées par un attribut media doivent être utilisées.</a:t>
             </a:r>
           </a:p>
           <a:p>
